--- a/Brettspiel Dame.pptx
+++ b/Brettspiel Dame.pptx
@@ -3992,6 +3992,16 @@
 <file path=ppt/slides/slide1.xml><?xml version="1.0" encoding="utf-8"?>
 <p:sld xmlns:a="http://schemas.openxmlformats.org/drawingml/2006/main" xmlns:r="http://schemas.openxmlformats.org/officeDocument/2006/relationships" xmlns:p="http://schemas.openxmlformats.org/presentationml/2006/main">
   <p:cSld>
+    <p:bg>
+      <p:bgPr>
+        <a:solidFill>
+          <a:schemeClr val="bg2">
+            <a:lumMod val="75000"/>
+          </a:schemeClr>
+        </a:solidFill>
+        <a:effectLst/>
+      </p:bgPr>
+    </p:bg>
     <p:spTree>
       <p:nvGrpSpPr>
         <p:cNvPr id="1" name=""/>
@@ -4022,9 +4032,16 @@
             <p:ph type="ctrTitle"/>
           </p:nvPr>
         </p:nvSpPr>
-        <p:spPr/>
+        <p:spPr>
+          <a:xfrm>
+            <a:off x="5289754" y="758952"/>
+            <a:ext cx="5390437" cy="4041648"/>
+          </a:xfrm>
+        </p:spPr>
         <p:txBody>
-          <a:bodyPr/>
+          <a:bodyPr>
+            <a:normAutofit/>
+          </a:bodyPr>
           <a:lstStyle/>
           <a:p>
             <a:r>
@@ -4050,41 +4067,61 @@
             <p:ph type="subTitle" idx="1"/>
           </p:nvPr>
         </p:nvSpPr>
-        <p:spPr/>
+        <p:spPr>
+          <a:xfrm>
+            <a:off x="5289754" y="4800600"/>
+            <a:ext cx="5390438" cy="1691640"/>
+          </a:xfrm>
+        </p:spPr>
         <p:txBody>
-          <a:bodyPr vert="horz" lIns="91440" tIns="45720" rIns="91440" bIns="45720" rtlCol="0" anchor="t">
+          <a:bodyPr vert="horz" lIns="91440" tIns="45720" rIns="91440" bIns="45720" rtlCol="0">
             <a:normAutofit/>
           </a:bodyPr>
           <a:lstStyle/>
           <a:p>
             <a:r>
-              <a:rPr lang="de-DE" sz="1800" dirty="0"/>
-              <a:t>Erich Kraus, Hüseyin </a:t>
+              <a:rPr lang="de-DE">
+                <a:solidFill>
+                  <a:schemeClr val="tx1">
+                    <a:lumMod val="85000"/>
+                  </a:schemeClr>
+                </a:solidFill>
+              </a:rPr>
+              <a:t>Erich Kraus, Hüseyin Genis, Mhd Tarek Al Ashraf, Oktay Durur</a:t>
             </a:r>
-            <a:r>
-              <a:rPr lang="de-DE" sz="1800" dirty="0" err="1"/>
-              <a:t>Genis</a:t>
-            </a:r>
-            <a:r>
-              <a:rPr lang="de-DE" sz="1800" dirty="0"/>
-              <a:t>, </a:t>
-            </a:r>
-            <a:r>
-              <a:rPr lang="de-DE" sz="1800" dirty="0" err="1"/>
-              <a:t>Mhd</a:t>
-            </a:r>
-            <a:r>
-              <a:rPr lang="de-DE" sz="1800" dirty="0"/>
-              <a:t> Tarek Al Ashraf, Oktay </a:t>
-            </a:r>
-            <a:r>
-              <a:rPr lang="de-DE" sz="1800" dirty="0" err="1"/>
-              <a:t>Durur</a:t>
-            </a:r>
-            <a:endParaRPr lang="de-DE" sz="1800" dirty="0"/>
           </a:p>
         </p:txBody>
       </p:sp>
+      <p:pic>
+        <p:nvPicPr>
+          <p:cNvPr id="5" name="Grafik 4">
+            <a:extLst>
+              <a:ext uri="{FF2B5EF4-FFF2-40B4-BE49-F238E27FC236}">
+                <a16:creationId xmlns:a16="http://schemas.microsoft.com/office/drawing/2014/main" id="{E8516D95-CB12-AA78-CFA3-BA9126C26E43}"/>
+              </a:ext>
+            </a:extLst>
+          </p:cNvPr>
+          <p:cNvPicPr>
+            <a:picLocks noChangeAspect="1"/>
+          </p:cNvPicPr>
+          <p:nvPr/>
+        </p:nvPicPr>
+        <p:blipFill>
+          <a:blip r:embed="rId2"/>
+          <a:stretch>
+            <a:fillRect/>
+          </a:stretch>
+        </p:blipFill>
+        <p:spPr>
+          <a:xfrm>
+            <a:off x="916751" y="2647568"/>
+            <a:ext cx="3718563" cy="1553765"/>
+          </a:xfrm>
+          <a:prstGeom prst="rect">
+            <a:avLst/>
+          </a:prstGeom>
+        </p:spPr>
+      </p:pic>
     </p:spTree>
     <p:extLst>
       <p:ext uri="{BB962C8B-B14F-4D97-AF65-F5344CB8AC3E}">
@@ -4095,6 +4132,18 @@
   <p:clrMapOvr>
     <a:masterClrMapping/>
   </p:clrMapOvr>
+  <mc:AlternateContent xmlns:mc="http://schemas.openxmlformats.org/markup-compatibility/2006">
+    <mc:Choice xmlns:p14="http://schemas.microsoft.com/office/powerpoint/2010/main" Requires="p14">
+      <p:transition spd="slow" p14:dur="2500">
+        <p:checker/>
+      </p:transition>
+    </mc:Choice>
+    <mc:Fallback>
+      <p:transition spd="slow">
+        <p:checker/>
+      </p:transition>
+    </mc:Fallback>
+  </mc:AlternateContent>
 </p:sld>
 </file>
 
@@ -4161,7 +4210,7 @@
           <p:nvPr>
             <p:extLst>
               <p:ext uri="{D42A27DB-BD31-4B8C-83A1-F6EECF244321}">
-                <p14:modId xmlns:p14="http://schemas.microsoft.com/office/powerpoint/2010/main" val="4267312039"/>
+                <p14:modId xmlns:p14="http://schemas.microsoft.com/office/powerpoint/2010/main" val="4071868066"/>
               </p:ext>
             </p:extLst>
           </p:nvPr>
@@ -5062,16 +5111,27 @@
                         </a:lnSpc>
                       </a:pPr>
                       <a:r>
-                        <a:rPr lang="en-US" sz="1000" b="0" i="1" strike="noStrike" spc="-1" dirty="0">
+                        <a:rPr lang="en-US" sz="1000" b="0" i="0" strike="noStrike" spc="-1" dirty="0">
                           <a:solidFill>
-                            <a:srgbClr val="333399"/>
+                            <a:schemeClr val="tx1"/>
                           </a:solidFill>
                           <a:latin typeface="Arial"/>
-                          <a:ea typeface="Times New Roman"/>
                         </a:rPr>
-                        <a:t>-</a:t>
+                        <a:t>Anzahl verbleibende </a:t>
                       </a:r>
-                      <a:endParaRPr lang="de-DE" sz="1000" b="0" strike="noStrike" spc="-1" dirty="0">
+                      <a:r>
+                        <a:rPr lang="en-US" sz="1000" b="0" i="0" strike="noStrike" spc="-1" dirty="0" err="1">
+                          <a:solidFill>
+                            <a:schemeClr val="tx1"/>
+                          </a:solidFill>
+                          <a:latin typeface="Arial"/>
+                        </a:rPr>
+                        <a:t>Figuren</a:t>
+                      </a:r>
+                      <a:endParaRPr lang="de-DE" sz="1000" b="0" i="0" strike="noStrike" spc="-1" dirty="0">
+                        <a:solidFill>
+                          <a:schemeClr val="tx1"/>
+                        </a:solidFill>
                         <a:latin typeface="Arial"/>
                       </a:endParaRPr>
                     </a:p>
@@ -5844,7 +5904,7 @@
           <p:nvPr>
             <p:extLst>
               <p:ext uri="{D42A27DB-BD31-4B8C-83A1-F6EECF244321}">
-                <p14:modId xmlns:p14="http://schemas.microsoft.com/office/powerpoint/2010/main" val="3752612182"/>
+                <p14:modId xmlns:p14="http://schemas.microsoft.com/office/powerpoint/2010/main" val="154746009"/>
               </p:ext>
             </p:extLst>
           </p:nvPr>
@@ -10485,6 +10545,18 @@
   <p:clrMapOvr>
     <a:masterClrMapping/>
   </p:clrMapOvr>
+  <mc:AlternateContent xmlns:mc="http://schemas.openxmlformats.org/markup-compatibility/2006">
+    <mc:Choice xmlns:p15="http://schemas.microsoft.com/office/powerpoint/2012/main" Requires="p15">
+      <p:transition xmlns:p14="http://schemas.microsoft.com/office/powerpoint/2010/main" spd="slow" p14:dur="6000">
+        <p15:prstTrans prst="curtains"/>
+      </p:transition>
+    </mc:Choice>
+    <mc:Fallback>
+      <p:transition spd="slow">
+        <p:fade/>
+      </p:transition>
+    </mc:Fallback>
+  </mc:AlternateContent>
 </p:sld>
 </file>
 
@@ -10988,12 +11060,12 @@
                   <a:schemeClr val="bg1"/>
                 </a:solidFill>
               </a:rPr>
-              <a:t>DAME</a:t>
+              <a:t>Dame</a:t>
             </a:r>
             <a:br>
               <a:rPr lang="en-US" sz="3200" dirty="0"/>
             </a:br>
-            <a:endParaRPr lang="en-US" sz="1600">
+            <a:endParaRPr lang="en-US" sz="1600" dirty="0">
               <a:solidFill>
                 <a:srgbClr val="FFFFFF"/>
               </a:solidFill>
@@ -11014,6 +11086,18 @@
   <p:clrMapOvr>
     <a:masterClrMapping/>
   </p:clrMapOvr>
+  <mc:AlternateContent xmlns:mc="http://schemas.openxmlformats.org/markup-compatibility/2006">
+    <mc:Choice xmlns:p14="http://schemas.microsoft.com/office/powerpoint/2010/main" Requires="p14">
+      <p:transition spd="slow" p14:dur="2500">
+        <p:checker/>
+      </p:transition>
+    </mc:Choice>
+    <mc:Fallback>
+      <p:transition spd="slow">
+        <p:checker/>
+      </p:transition>
+    </mc:Fallback>
+  </mc:AlternateContent>
 </p:sld>
 </file>
 
@@ -11589,6 +11673,17 @@
                 <a:cs typeface="Times New Roman"/>
               </a:rPr>
               <a:t>Figuren</a:t>
+            </a:r>
+            <a:r>
+              <a:rPr lang="en-US" sz="1600" dirty="0">
+                <a:solidFill>
+                  <a:srgbClr val="FFFFFF"/>
+                </a:solidFill>
+                <a:latin typeface="Times New Roman"/>
+                <a:ea typeface="Cambria"/>
+                <a:cs typeface="Times New Roman"/>
+              </a:rPr>
+              <a:t>?</a:t>
             </a:r>
             <a:endParaRPr lang="de-DE" sz="1600" dirty="0" err="1">
               <a:latin typeface="Times New Roman"/>
@@ -13042,9 +13137,9 @@
                 <a:ea typeface="Cambria"/>
                 <a:cs typeface="Times New Roman"/>
               </a:rPr>
-              <a:t> die Dame</a:t>
+              <a:t> die Dame?</a:t>
             </a:r>
-            <a:endParaRPr lang="de-DE" sz="1600">
+            <a:endParaRPr lang="de-DE" sz="1600" dirty="0">
               <a:latin typeface="Times New Roman"/>
               <a:ea typeface="Cambria"/>
               <a:cs typeface="Times New Roman"/>
